--- a/Prezentacija/IMDb genre classification.pptx
+++ b/Prezentacija/IMDb genre classification.pptx
@@ -8,18 +8,23 @@
     <p:sldId id="256" r:id="rId2"/>
     <p:sldId id="257" r:id="rId3"/>
     <p:sldId id="258" r:id="rId4"/>
-    <p:sldId id="259" r:id="rId5"/>
-    <p:sldId id="266" r:id="rId6"/>
-    <p:sldId id="260" r:id="rId7"/>
-    <p:sldId id="261" r:id="rId8"/>
-    <p:sldId id="262" r:id="rId9"/>
-    <p:sldId id="263" r:id="rId10"/>
-    <p:sldId id="264" r:id="rId11"/>
-    <p:sldId id="265" r:id="rId12"/>
-    <p:sldId id="268" r:id="rId13"/>
-    <p:sldId id="267" r:id="rId14"/>
-    <p:sldId id="269" r:id="rId15"/>
-    <p:sldId id="270" r:id="rId16"/>
+    <p:sldId id="271" r:id="rId5"/>
+    <p:sldId id="272" r:id="rId6"/>
+    <p:sldId id="259" r:id="rId7"/>
+    <p:sldId id="266" r:id="rId8"/>
+    <p:sldId id="260" r:id="rId9"/>
+    <p:sldId id="261" r:id="rId10"/>
+    <p:sldId id="262" r:id="rId11"/>
+    <p:sldId id="274" r:id="rId12"/>
+    <p:sldId id="263" r:id="rId13"/>
+    <p:sldId id="264" r:id="rId14"/>
+    <p:sldId id="273" r:id="rId15"/>
+    <p:sldId id="265" r:id="rId16"/>
+    <p:sldId id="276" r:id="rId17"/>
+    <p:sldId id="268" r:id="rId18"/>
+    <p:sldId id="267" r:id="rId19"/>
+    <p:sldId id="269" r:id="rId20"/>
+    <p:sldId id="270" r:id="rId21"/>
   </p:sldIdLst>
   <p:sldSz cx="12192000" cy="6858000"/>
   <p:notesSz cx="6858000" cy="9144000"/>
@@ -118,6 +123,11 @@
       </a:defRPr>
     </a:lvl9pPr>
   </p:defaultTextStyle>
+  <p:extLst>
+    <p:ext uri="{EFAFB233-063F-42B5-8137-9DF3F51BA10A}">
+      <p15:sldGuideLst xmlns:p15="http://schemas.microsoft.com/office/powerpoint/2012/main"/>
+    </p:ext>
+  </p:extLst>
 </p:presentation>
 </file>
 
@@ -347,7 +357,7 @@
           <a:p>
             <a:fld id="{73B056D6-6950-40F7-94FC-45D9B7F20D16}" type="datetimeFigureOut">
               <a:rPr lang="en-US" smtClean="0"/>
-              <a:t>8/30/2019</a:t>
+              <a:t>9/2/2019</a:t>
             </a:fld>
             <a:endParaRPr lang="en-US"/>
           </a:p>
@@ -555,7 +565,7 @@
           <a:p>
             <a:fld id="{73B056D6-6950-40F7-94FC-45D9B7F20D16}" type="datetimeFigureOut">
               <a:rPr lang="en-US" smtClean="0"/>
-              <a:t>8/30/2019</a:t>
+              <a:t>9/2/2019</a:t>
             </a:fld>
             <a:endParaRPr lang="en-US"/>
           </a:p>
@@ -811,7 +821,7 @@
           <a:p>
             <a:fld id="{73B056D6-6950-40F7-94FC-45D9B7F20D16}" type="datetimeFigureOut">
               <a:rPr lang="en-US" smtClean="0"/>
-              <a:t>8/30/2019</a:t>
+              <a:t>9/2/2019</a:t>
             </a:fld>
             <a:endParaRPr lang="en-US"/>
           </a:p>
@@ -981,7 +991,7 @@
           <a:p>
             <a:fld id="{73B056D6-6950-40F7-94FC-45D9B7F20D16}" type="datetimeFigureOut">
               <a:rPr lang="en-US" smtClean="0"/>
-              <a:t>8/30/2019</a:t>
+              <a:t>9/2/2019</a:t>
             </a:fld>
             <a:endParaRPr lang="en-US"/>
           </a:p>
@@ -1324,7 +1334,7 @@
           <a:p>
             <a:fld id="{73B056D6-6950-40F7-94FC-45D9B7F20D16}" type="datetimeFigureOut">
               <a:rPr lang="en-US" smtClean="0"/>
-              <a:t>8/30/2019</a:t>
+              <a:t>9/2/2019</a:t>
             </a:fld>
             <a:endParaRPr lang="en-US"/>
           </a:p>
@@ -1599,7 +1609,7 @@
           <a:p>
             <a:fld id="{73B056D6-6950-40F7-94FC-45D9B7F20D16}" type="datetimeFigureOut">
               <a:rPr lang="en-US" smtClean="0"/>
-              <a:t>8/30/2019</a:t>
+              <a:t>9/2/2019</a:t>
             </a:fld>
             <a:endParaRPr lang="en-US"/>
           </a:p>
@@ -1978,7 +1988,7 @@
           <a:p>
             <a:fld id="{73B056D6-6950-40F7-94FC-45D9B7F20D16}" type="datetimeFigureOut">
               <a:rPr lang="en-US" smtClean="0"/>
-              <a:t>8/30/2019</a:t>
+              <a:t>9/2/2019</a:t>
             </a:fld>
             <a:endParaRPr lang="en-US"/>
           </a:p>
@@ -2096,7 +2106,7 @@
           <a:p>
             <a:fld id="{73B056D6-6950-40F7-94FC-45D9B7F20D16}" type="datetimeFigureOut">
               <a:rPr lang="en-US" smtClean="0"/>
-              <a:t>8/30/2019</a:t>
+              <a:t>9/2/2019</a:t>
             </a:fld>
             <a:endParaRPr lang="en-US"/>
           </a:p>
@@ -2267,7 +2277,7 @@
           <a:p>
             <a:fld id="{73B056D6-6950-40F7-94FC-45D9B7F20D16}" type="datetimeFigureOut">
               <a:rPr lang="en-US" smtClean="0"/>
-              <a:t>8/30/2019</a:t>
+              <a:t>9/2/2019</a:t>
             </a:fld>
             <a:endParaRPr lang="en-US"/>
           </a:p>
@@ -2621,7 +2631,7 @@
           <a:p>
             <a:fld id="{73B056D6-6950-40F7-94FC-45D9B7F20D16}" type="datetimeFigureOut">
               <a:rPr lang="en-US" smtClean="0"/>
-              <a:t>8/30/2019</a:t>
+              <a:t>9/2/2019</a:t>
             </a:fld>
             <a:endParaRPr lang="en-US"/>
           </a:p>
@@ -2998,7 +3008,7 @@
           <a:p>
             <a:fld id="{73B056D6-6950-40F7-94FC-45D9B7F20D16}" type="datetimeFigureOut">
               <a:rPr lang="en-US" smtClean="0"/>
-              <a:t>8/30/2019</a:t>
+              <a:t>9/2/2019</a:t>
             </a:fld>
             <a:endParaRPr lang="en-US"/>
           </a:p>
@@ -3285,7 +3295,7 @@
           <a:p>
             <a:fld id="{73B056D6-6950-40F7-94FC-45D9B7F20D16}" type="datetimeFigureOut">
               <a:rPr lang="en-US" smtClean="0"/>
-              <a:t>8/30/2019</a:t>
+              <a:t>9/2/2019</a:t>
             </a:fld>
             <a:endParaRPr lang="en-US"/>
           </a:p>
@@ -3899,6 +3909,47 @@
           </a:p>
         </p:txBody>
       </p:sp>
+      <p:pic>
+        <p:nvPicPr>
+          <p:cNvPr id="1028" name="Picture 4" descr="https://i1.wp.com/osijek.makerfaire.com/wp-content/uploads/sites/122/2016/06/ferit-logo-znak-223x300.png?ssl=1"/>
+          <p:cNvPicPr>
+            <a:picLocks noChangeAspect="1" noChangeArrowheads="1"/>
+          </p:cNvPicPr>
+          <p:nvPr/>
+        </p:nvPicPr>
+        <p:blipFill>
+          <a:blip r:embed="rId2">
+            <a:extLst>
+              <a:ext uri="{28A0092B-C50C-407E-A947-70E740481C1C}">
+                <a14:useLocalDpi xmlns:a14="http://schemas.microsoft.com/office/drawing/2010/main" val="0"/>
+              </a:ext>
+            </a:extLst>
+          </a:blip>
+          <a:srcRect/>
+          <a:stretch>
+            <a:fillRect/>
+          </a:stretch>
+        </p:blipFill>
+        <p:spPr bwMode="auto">
+          <a:xfrm>
+            <a:off x="9942799" y="758952"/>
+            <a:ext cx="1212881" cy="1631678"/>
+          </a:xfrm>
+          <a:prstGeom prst="rect">
+            <a:avLst/>
+          </a:prstGeom>
+          <a:noFill/>
+          <a:extLst>
+            <a:ext uri="{909E8E84-426E-40DD-AFC4-6F175D3DCCD1}">
+              <a14:hiddenFill xmlns:a14="http://schemas.microsoft.com/office/drawing/2010/main">
+                <a:solidFill>
+                  <a:srgbClr val="FFFFFF"/>
+                </a:solidFill>
+              </a14:hiddenFill>
+            </a:ext>
+          </a:extLst>
+        </p:spPr>
+      </p:pic>
     </p:spTree>
     <p:extLst>
       <p:ext uri="{BB962C8B-B14F-4D97-AF65-F5344CB8AC3E}">
@@ -3909,6 +3960,13 @@
   <p:clrMapOvr>
     <a:masterClrMapping/>
   </p:clrMapOvr>
+  <p:timing>
+    <p:tnLst>
+      <p:par>
+        <p:cTn id="1" dur="indefinite" restart="never" nodeType="tmRoot"/>
+      </p:par>
+    </p:tnLst>
+  </p:timing>
 </p:sld>
 </file>
 
@@ -3944,7 +4002,162 @@
           <a:bodyPr/>
           <a:lstStyle/>
           <a:p>
-            <a:endParaRPr lang="en-US"/>
+            <a:r>
+              <a:rPr lang="hr-HR" dirty="0" smtClean="0"/>
+              <a:t>word2vec</a:t>
+            </a:r>
+            <a:endParaRPr lang="en-US" dirty="0"/>
+          </a:p>
+        </p:txBody>
+      </p:sp>
+      <p:sp>
+        <p:nvSpPr>
+          <p:cNvPr id="3" name="Content Placeholder 2"/>
+          <p:cNvSpPr>
+            <a:spLocks noGrp="1"/>
+          </p:cNvSpPr>
+          <p:nvPr>
+            <p:ph idx="1"/>
+          </p:nvPr>
+        </p:nvSpPr>
+        <p:spPr/>
+        <p:txBody>
+          <a:bodyPr/>
+          <a:lstStyle/>
+          <a:p>
+            <a:pPr algn="ctr"/>
+            <a:r>
+              <a:rPr lang="hr-HR" dirty="0" smtClean="0"/>
+              <a:t>Continuous Bag of Words</a:t>
+            </a:r>
+          </a:p>
+          <a:p>
+            <a:pPr algn="ctr"/>
+            <a:endParaRPr lang="hr-HR" dirty="0"/>
+          </a:p>
+          <a:p>
+            <a:pPr algn="ctr"/>
+            <a:endParaRPr lang="hr-HR" dirty="0" smtClean="0"/>
+          </a:p>
+          <a:p>
+            <a:pPr algn="ctr"/>
+            <a:endParaRPr lang="hr-HR" dirty="0"/>
+          </a:p>
+          <a:p>
+            <a:pPr algn="ctr"/>
+            <a:r>
+              <a:rPr lang="hr-HR" dirty="0" smtClean="0"/>
+              <a:t>Skipgram</a:t>
+            </a:r>
+            <a:endParaRPr lang="en-US" dirty="0"/>
+          </a:p>
+        </p:txBody>
+      </p:sp>
+      <p:pic>
+        <p:nvPicPr>
+          <p:cNvPr id="5" name="Picture 4"/>
+          <p:cNvPicPr>
+            <a:picLocks noChangeAspect="1"/>
+          </p:cNvPicPr>
+          <p:nvPr/>
+        </p:nvPicPr>
+        <p:blipFill>
+          <a:blip r:embed="rId2"/>
+          <a:stretch>
+            <a:fillRect/>
+          </a:stretch>
+        </p:blipFill>
+        <p:spPr>
+          <a:xfrm>
+            <a:off x="3172795" y="2198267"/>
+            <a:ext cx="5907369" cy="1389969"/>
+          </a:xfrm>
+          <a:prstGeom prst="rect">
+            <a:avLst/>
+          </a:prstGeom>
+        </p:spPr>
+      </p:pic>
+      <p:pic>
+        <p:nvPicPr>
+          <p:cNvPr id="7" name="Picture 6"/>
+          <p:cNvPicPr>
+            <a:picLocks noChangeAspect="1"/>
+          </p:cNvPicPr>
+          <p:nvPr/>
+        </p:nvPicPr>
+        <p:blipFill>
+          <a:blip r:embed="rId3"/>
+          <a:stretch>
+            <a:fillRect/>
+          </a:stretch>
+        </p:blipFill>
+        <p:spPr>
+          <a:xfrm>
+            <a:off x="3172795" y="4076683"/>
+            <a:ext cx="5907369" cy="1632823"/>
+          </a:xfrm>
+          <a:prstGeom prst="rect">
+            <a:avLst/>
+          </a:prstGeom>
+        </p:spPr>
+      </p:pic>
+    </p:spTree>
+    <p:extLst>
+      <p:ext uri="{BB962C8B-B14F-4D97-AF65-F5344CB8AC3E}">
+        <p14:creationId xmlns:p14="http://schemas.microsoft.com/office/powerpoint/2010/main" val="3449396957"/>
+      </p:ext>
+    </p:extLst>
+  </p:cSld>
+  <p:clrMapOvr>
+    <a:masterClrMapping/>
+  </p:clrMapOvr>
+  <p:timing>
+    <p:tnLst>
+      <p:par>
+        <p:cTn id="1" dur="indefinite" restart="never" nodeType="tmRoot"/>
+      </p:par>
+    </p:tnLst>
+  </p:timing>
+</p:sld>
+</file>
+
+<file path=ppt/slides/slide11.xml><?xml version="1.0" encoding="utf-8"?>
+<p:sld xmlns:a="http://schemas.openxmlformats.org/drawingml/2006/main" xmlns:r="http://schemas.openxmlformats.org/officeDocument/2006/relationships" xmlns:p="http://schemas.openxmlformats.org/presentationml/2006/main">
+  <p:cSld>
+    <p:spTree>
+      <p:nvGrpSpPr>
+        <p:cNvPr id="1" name=""/>
+        <p:cNvGrpSpPr/>
+        <p:nvPr/>
+      </p:nvGrpSpPr>
+      <p:grpSpPr>
+        <a:xfrm>
+          <a:off x="0" y="0"/>
+          <a:ext cx="0" cy="0"/>
+          <a:chOff x="0" y="0"/>
+          <a:chExt cx="0" cy="0"/>
+        </a:xfrm>
+      </p:grpSpPr>
+      <p:sp>
+        <p:nvSpPr>
+          <p:cNvPr id="2" name="Title 1"/>
+          <p:cNvSpPr>
+            <a:spLocks noGrp="1"/>
+          </p:cNvSpPr>
+          <p:nvPr>
+            <p:ph type="title"/>
+          </p:nvPr>
+        </p:nvSpPr>
+        <p:spPr/>
+        <p:txBody>
+          <a:bodyPr/>
+          <a:lstStyle/>
+          <a:p>
+            <a:r>
+              <a:rPr lang="hr-HR" dirty="0" smtClean="0"/>
+              <a:t>CBOW</a:t>
+            </a:r>
+            <a:endParaRPr lang="en-US" dirty="0"/>
           </a:p>
         </p:txBody>
       </p:sp>
@@ -3983,8 +4196,203 @@
         </p:blipFill>
         <p:spPr>
           <a:xfrm>
-            <a:off x="257175" y="604837"/>
-            <a:ext cx="11677650" cy="5648325"/>
+            <a:off x="1001062" y="1845734"/>
+            <a:ext cx="10250835" cy="4283109"/>
+          </a:xfrm>
+          <a:prstGeom prst="rect">
+            <a:avLst/>
+          </a:prstGeom>
+        </p:spPr>
+      </p:pic>
+    </p:spTree>
+    <p:extLst>
+      <p:ext uri="{BB962C8B-B14F-4D97-AF65-F5344CB8AC3E}">
+        <p14:creationId xmlns:p14="http://schemas.microsoft.com/office/powerpoint/2010/main" val="1669477597"/>
+      </p:ext>
+    </p:extLst>
+  </p:cSld>
+  <p:clrMapOvr>
+    <a:masterClrMapping/>
+  </p:clrMapOvr>
+</p:sld>
+</file>
+
+<file path=ppt/slides/slide12.xml><?xml version="1.0" encoding="utf-8"?>
+<p:sld xmlns:a="http://schemas.openxmlformats.org/drawingml/2006/main" xmlns:r="http://schemas.openxmlformats.org/officeDocument/2006/relationships" xmlns:p="http://schemas.openxmlformats.org/presentationml/2006/main">
+  <p:cSld>
+    <p:spTree>
+      <p:nvGrpSpPr>
+        <p:cNvPr id="1" name=""/>
+        <p:cNvGrpSpPr/>
+        <p:nvPr/>
+      </p:nvGrpSpPr>
+      <p:grpSpPr>
+        <a:xfrm>
+          <a:off x="0" y="0"/>
+          <a:ext cx="0" cy="0"/>
+          <a:chOff x="0" y="0"/>
+          <a:chExt cx="0" cy="0"/>
+        </a:xfrm>
+      </p:grpSpPr>
+      <p:sp>
+        <p:nvSpPr>
+          <p:cNvPr id="2" name="Title 1"/>
+          <p:cNvSpPr>
+            <a:spLocks noGrp="1"/>
+          </p:cNvSpPr>
+          <p:nvPr>
+            <p:ph type="title"/>
+          </p:nvPr>
+        </p:nvSpPr>
+        <p:spPr/>
+        <p:txBody>
+          <a:bodyPr/>
+          <a:lstStyle/>
+          <a:p>
+            <a:r>
+              <a:rPr lang="hr-HR" dirty="0" smtClean="0"/>
+              <a:t>Skipgram</a:t>
+            </a:r>
+            <a:endParaRPr lang="en-US" dirty="0"/>
+          </a:p>
+        </p:txBody>
+      </p:sp>
+      <p:sp>
+        <p:nvSpPr>
+          <p:cNvPr id="3" name="Content Placeholder 2"/>
+          <p:cNvSpPr>
+            <a:spLocks noGrp="1"/>
+          </p:cNvSpPr>
+          <p:nvPr>
+            <p:ph idx="1"/>
+          </p:nvPr>
+        </p:nvSpPr>
+        <p:spPr/>
+        <p:txBody>
+          <a:bodyPr/>
+          <a:lstStyle/>
+          <a:p>
+            <a:endParaRPr lang="en-US"/>
+          </a:p>
+        </p:txBody>
+      </p:sp>
+      <p:pic>
+        <p:nvPicPr>
+          <p:cNvPr id="6" name="Picture 5"/>
+          <p:cNvPicPr>
+            <a:picLocks noChangeAspect="1"/>
+          </p:cNvPicPr>
+          <p:nvPr/>
+        </p:nvPicPr>
+        <p:blipFill>
+          <a:blip r:embed="rId2"/>
+          <a:stretch>
+            <a:fillRect/>
+          </a:stretch>
+        </p:blipFill>
+        <p:spPr>
+          <a:xfrm>
+            <a:off x="1912476" y="1845734"/>
+            <a:ext cx="8428008" cy="4454443"/>
+          </a:xfrm>
+          <a:prstGeom prst="rect">
+            <a:avLst/>
+          </a:prstGeom>
+        </p:spPr>
+      </p:pic>
+    </p:spTree>
+    <p:extLst>
+      <p:ext uri="{BB962C8B-B14F-4D97-AF65-F5344CB8AC3E}">
+        <p14:creationId xmlns:p14="http://schemas.microsoft.com/office/powerpoint/2010/main" val="587216916"/>
+      </p:ext>
+    </p:extLst>
+  </p:cSld>
+  <p:clrMapOvr>
+    <a:masterClrMapping/>
+  </p:clrMapOvr>
+  <p:timing>
+    <p:tnLst>
+      <p:par>
+        <p:cTn id="1" dur="indefinite" restart="never" nodeType="tmRoot"/>
+      </p:par>
+    </p:tnLst>
+  </p:timing>
+</p:sld>
+</file>
+
+<file path=ppt/slides/slide13.xml><?xml version="1.0" encoding="utf-8"?>
+<p:sld xmlns:a="http://schemas.openxmlformats.org/drawingml/2006/main" xmlns:r="http://schemas.openxmlformats.org/officeDocument/2006/relationships" xmlns:p="http://schemas.openxmlformats.org/presentationml/2006/main">
+  <p:cSld>
+    <p:spTree>
+      <p:nvGrpSpPr>
+        <p:cNvPr id="1" name=""/>
+        <p:cNvGrpSpPr/>
+        <p:nvPr/>
+      </p:nvGrpSpPr>
+      <p:grpSpPr>
+        <a:xfrm>
+          <a:off x="0" y="0"/>
+          <a:ext cx="0" cy="0"/>
+          <a:chOff x="0" y="0"/>
+          <a:chExt cx="0" cy="0"/>
+        </a:xfrm>
+      </p:grpSpPr>
+      <p:sp>
+        <p:nvSpPr>
+          <p:cNvPr id="2" name="Title 1"/>
+          <p:cNvSpPr>
+            <a:spLocks noGrp="1"/>
+          </p:cNvSpPr>
+          <p:nvPr>
+            <p:ph type="title"/>
+          </p:nvPr>
+        </p:nvSpPr>
+        <p:spPr/>
+        <p:txBody>
+          <a:bodyPr/>
+          <a:lstStyle/>
+          <a:p>
+            <a:endParaRPr lang="en-US"/>
+          </a:p>
+        </p:txBody>
+      </p:sp>
+      <p:sp>
+        <p:nvSpPr>
+          <p:cNvPr id="3" name="Content Placeholder 2"/>
+          <p:cNvSpPr>
+            <a:spLocks noGrp="1"/>
+          </p:cNvSpPr>
+          <p:nvPr>
+            <p:ph idx="1"/>
+          </p:nvPr>
+        </p:nvSpPr>
+        <p:spPr/>
+        <p:txBody>
+          <a:bodyPr/>
+          <a:lstStyle/>
+          <a:p>
+            <a:endParaRPr lang="en-US"/>
+          </a:p>
+        </p:txBody>
+      </p:sp>
+      <p:pic>
+        <p:nvPicPr>
+          <p:cNvPr id="5" name="Picture 4"/>
+          <p:cNvPicPr>
+            <a:picLocks noChangeAspect="1"/>
+          </p:cNvPicPr>
+          <p:nvPr/>
+        </p:nvPicPr>
+        <p:blipFill>
+          <a:blip r:embed="rId2"/>
+          <a:stretch>
+            <a:fillRect/>
+          </a:stretch>
+        </p:blipFill>
+        <p:spPr>
+          <a:xfrm>
+            <a:off x="287486" y="405442"/>
+            <a:ext cx="11677987" cy="5764047"/>
           </a:xfrm>
           <a:prstGeom prst="rect">
             <a:avLst/>
@@ -4001,10 +4409,103 @@
   <p:clrMapOvr>
     <a:masterClrMapping/>
   </p:clrMapOvr>
+  <p:timing>
+    <p:tnLst>
+      <p:par>
+        <p:cTn id="1" dur="indefinite" restart="never" nodeType="tmRoot"/>
+      </p:par>
+    </p:tnLst>
+  </p:timing>
 </p:sld>
 </file>
 
-<file path=ppt/slides/slide11.xml><?xml version="1.0" encoding="utf-8"?>
+<file path=ppt/slides/slide14.xml><?xml version="1.0" encoding="utf-8"?>
+<p:sld xmlns:a="http://schemas.openxmlformats.org/drawingml/2006/main" xmlns:r="http://schemas.openxmlformats.org/officeDocument/2006/relationships" xmlns:p="http://schemas.openxmlformats.org/presentationml/2006/main">
+  <p:cSld>
+    <p:spTree>
+      <p:nvGrpSpPr>
+        <p:cNvPr id="1" name=""/>
+        <p:cNvGrpSpPr/>
+        <p:nvPr/>
+      </p:nvGrpSpPr>
+      <p:grpSpPr>
+        <a:xfrm>
+          <a:off x="0" y="0"/>
+          <a:ext cx="0" cy="0"/>
+          <a:chOff x="0" y="0"/>
+          <a:chExt cx="0" cy="0"/>
+        </a:xfrm>
+      </p:grpSpPr>
+      <p:sp>
+        <p:nvSpPr>
+          <p:cNvPr id="2" name="Title 1"/>
+          <p:cNvSpPr>
+            <a:spLocks noGrp="1"/>
+          </p:cNvSpPr>
+          <p:nvPr>
+            <p:ph type="title"/>
+          </p:nvPr>
+        </p:nvSpPr>
+        <p:spPr/>
+        <p:txBody>
+          <a:bodyPr/>
+          <a:lstStyle/>
+          <a:p>
+            <a:r>
+              <a:rPr lang="hr-HR" dirty="0" smtClean="0"/>
+              <a:t>nGrams</a:t>
+            </a:r>
+            <a:endParaRPr lang="en-US" dirty="0"/>
+          </a:p>
+        </p:txBody>
+      </p:sp>
+      <p:sp>
+        <p:nvSpPr>
+          <p:cNvPr id="3" name="Content Placeholder 2"/>
+          <p:cNvSpPr>
+            <a:spLocks noGrp="1"/>
+          </p:cNvSpPr>
+          <p:nvPr>
+            <p:ph idx="1"/>
+          </p:nvPr>
+        </p:nvSpPr>
+        <p:spPr/>
+        <p:txBody>
+          <a:bodyPr>
+            <a:normAutofit/>
+          </a:bodyPr>
+          <a:lstStyle/>
+          <a:p>
+            <a:pPr algn="ctr"/>
+            <a:r>
+              <a:rPr lang="hr-HR" sz="7200" dirty="0" smtClean="0"/>
+              <a:t>Apple</a:t>
+            </a:r>
+          </a:p>
+          <a:p>
+            <a:pPr algn="ctr"/>
+            <a:r>
+              <a:rPr lang="hr-HR" sz="7200" dirty="0" smtClean="0"/>
+              <a:t>Ap, app, pp, ppl, pl, ple, le</a:t>
+            </a:r>
+            <a:endParaRPr lang="en-US" sz="7200" dirty="0"/>
+          </a:p>
+        </p:txBody>
+      </p:sp>
+    </p:spTree>
+    <p:extLst>
+      <p:ext uri="{BB962C8B-B14F-4D97-AF65-F5344CB8AC3E}">
+        <p14:creationId xmlns:p14="http://schemas.microsoft.com/office/powerpoint/2010/main" val="4191242382"/>
+      </p:ext>
+    </p:extLst>
+  </p:cSld>
+  <p:clrMapOvr>
+    <a:masterClrMapping/>
+  </p:clrMapOvr>
+</p:sld>
+</file>
+
+<file path=ppt/slides/slide15.xml><?xml version="1.0" encoding="utf-8"?>
 <p:sld xmlns:a="http://schemas.openxmlformats.org/drawingml/2006/main" xmlns:r="http://schemas.openxmlformats.org/officeDocument/2006/relationships" xmlns:p="http://schemas.openxmlformats.org/presentationml/2006/main">
   <p:cSld>
     <p:spTree>
@@ -4097,10 +4598,105 @@
   <p:clrMapOvr>
     <a:masterClrMapping/>
   </p:clrMapOvr>
+  <p:timing>
+    <p:tnLst>
+      <p:par>
+        <p:cTn id="1" dur="indefinite" restart="never" nodeType="tmRoot"/>
+      </p:par>
+    </p:tnLst>
+  </p:timing>
 </p:sld>
 </file>
 
-<file path=ppt/slides/slide12.xml><?xml version="1.0" encoding="utf-8"?>
+<file path=ppt/slides/slide16.xml><?xml version="1.0" encoding="utf-8"?>
+<p:sld xmlns:a="http://schemas.openxmlformats.org/drawingml/2006/main" xmlns:r="http://schemas.openxmlformats.org/officeDocument/2006/relationships" xmlns:p="http://schemas.openxmlformats.org/presentationml/2006/main">
+  <p:cSld>
+    <p:spTree>
+      <p:nvGrpSpPr>
+        <p:cNvPr id="1" name=""/>
+        <p:cNvGrpSpPr/>
+        <p:nvPr/>
+      </p:nvGrpSpPr>
+      <p:grpSpPr>
+        <a:xfrm>
+          <a:off x="0" y="0"/>
+          <a:ext cx="0" cy="0"/>
+          <a:chOff x="0" y="0"/>
+          <a:chExt cx="0" cy="0"/>
+        </a:xfrm>
+      </p:grpSpPr>
+      <p:sp>
+        <p:nvSpPr>
+          <p:cNvPr id="2" name="Title 1"/>
+          <p:cNvSpPr>
+            <a:spLocks noGrp="1"/>
+          </p:cNvSpPr>
+          <p:nvPr>
+            <p:ph type="title"/>
+          </p:nvPr>
+        </p:nvSpPr>
+        <p:spPr/>
+        <p:txBody>
+          <a:bodyPr/>
+          <a:lstStyle/>
+          <a:p>
+            <a:r>
+              <a:rPr lang="hr-HR" dirty="0" smtClean="0"/>
+              <a:t>Multinomijalna logistička regresija</a:t>
+            </a:r>
+            <a:endParaRPr lang="en-US" dirty="0"/>
+          </a:p>
+        </p:txBody>
+      </p:sp>
+      <p:sp>
+        <p:nvSpPr>
+          <p:cNvPr id="3" name="Content Placeholder 2"/>
+          <p:cNvSpPr>
+            <a:spLocks noGrp="1"/>
+          </p:cNvSpPr>
+          <p:nvPr>
+            <p:ph idx="1"/>
+          </p:nvPr>
+        </p:nvSpPr>
+        <p:spPr/>
+        <p:txBody>
+          <a:bodyPr/>
+          <a:lstStyle/>
+          <a:p>
+            <a:r>
+              <a:rPr lang="hr-HR" dirty="0" smtClean="0"/>
+              <a:t>Skup neovisnih binarnih regresija</a:t>
+            </a:r>
+          </a:p>
+          <a:p>
+            <a:r>
+              <a:rPr lang="hr-HR" dirty="0" smtClean="0"/>
+              <a:t>Log-linearni model</a:t>
+            </a:r>
+          </a:p>
+          <a:p>
+            <a:r>
+              <a:rPr lang="hr-HR" dirty="0" smtClean="0"/>
+              <a:t>...</a:t>
+            </a:r>
+            <a:endParaRPr lang="en-US" dirty="0"/>
+          </a:p>
+        </p:txBody>
+      </p:sp>
+    </p:spTree>
+    <p:extLst>
+      <p:ext uri="{BB962C8B-B14F-4D97-AF65-F5344CB8AC3E}">
+        <p14:creationId xmlns:p14="http://schemas.microsoft.com/office/powerpoint/2010/main" val="2873988838"/>
+      </p:ext>
+    </p:extLst>
+  </p:cSld>
+  <p:clrMapOvr>
+    <a:masterClrMapping/>
+  </p:clrMapOvr>
+</p:sld>
+</file>
+
+<file path=ppt/slides/slide17.xml><?xml version="1.0" encoding="utf-8"?>
 <p:sld xmlns:a="http://schemas.openxmlformats.org/drawingml/2006/main" xmlns:r="http://schemas.openxmlformats.org/officeDocument/2006/relationships" xmlns:p="http://schemas.openxmlformats.org/presentationml/2006/main">
   <p:cSld>
     <p:spTree>
@@ -4176,10 +4772,17 @@
   <p:clrMapOvr>
     <a:masterClrMapping/>
   </p:clrMapOvr>
+  <p:timing>
+    <p:tnLst>
+      <p:par>
+        <p:cTn id="1" dur="indefinite" restart="never" nodeType="tmRoot"/>
+      </p:par>
+    </p:tnLst>
+  </p:timing>
 </p:sld>
 </file>
 
-<file path=ppt/slides/slide13.xml><?xml version="1.0" encoding="utf-8"?>
+<file path=ppt/slides/slide18.xml><?xml version="1.0" encoding="utf-8"?>
 <p:sld xmlns:a="http://schemas.openxmlformats.org/drawingml/2006/main" xmlns:r="http://schemas.openxmlformats.org/officeDocument/2006/relationships" xmlns:p="http://schemas.openxmlformats.org/presentationml/2006/main">
   <p:cSld>
     <p:spTree>
@@ -4237,8 +4840,8 @@
         </p:blipFill>
         <p:spPr>
           <a:xfrm>
-            <a:off x="3212475" y="2402007"/>
-            <a:ext cx="5767050" cy="1678117"/>
+            <a:off x="3738688" y="2316440"/>
+            <a:ext cx="3533382" cy="1028156"/>
           </a:xfrm>
           <a:prstGeom prst="rect">
             <a:avLst/>
@@ -4253,7 +4856,7 @@
         </p:nvSpPr>
         <p:spPr>
           <a:xfrm>
-            <a:off x="5346436" y="4606777"/>
+            <a:off x="4755814" y="3344596"/>
             <a:ext cx="1499128" cy="369332"/>
           </a:xfrm>
           <a:prstGeom prst="rect">
@@ -4271,6 +4874,91 @@
               <a:rPr lang="hr-HR" dirty="0" smtClean="0"/>
               <a:t>Hamming loss</a:t>
             </a:r>
+          </a:p>
+        </p:txBody>
+      </p:sp>
+      <p:sp>
+        <p:nvSpPr>
+          <p:cNvPr id="3" name="TextBox 2"/>
+          <p:cNvSpPr txBox="1"/>
+          <p:nvPr/>
+        </p:nvSpPr>
+        <p:spPr>
+          <a:xfrm>
+            <a:off x="4130739" y="3931201"/>
+            <a:ext cx="2749279" cy="646331"/>
+          </a:xfrm>
+          <a:prstGeom prst="rect">
+            <a:avLst/>
+          </a:prstGeom>
+          <a:noFill/>
+        </p:spPr>
+        <p:txBody>
+          <a:bodyPr wrap="none" rtlCol="0">
+            <a:spAutoFit/>
+          </a:bodyPr>
+          <a:lstStyle/>
+          <a:p>
+            <a:r>
+              <a:rPr lang="en-US" dirty="0"/>
+              <a:t>|N| - </a:t>
+            </a:r>
+            <a:r>
+              <a:rPr lang="en-US" dirty="0" err="1"/>
+              <a:t>ukupan</a:t>
+            </a:r>
+            <a:r>
+              <a:rPr lang="en-US" dirty="0"/>
+              <a:t> </a:t>
+            </a:r>
+            <a:r>
+              <a:rPr lang="en-US" dirty="0" err="1"/>
+              <a:t>broj</a:t>
+            </a:r>
+            <a:r>
+              <a:rPr lang="en-US" dirty="0"/>
+              <a:t> </a:t>
+            </a:r>
+            <a:r>
+              <a:rPr lang="en-US" dirty="0" err="1"/>
+              <a:t>primjera</a:t>
+            </a:r>
+            <a:r>
+              <a:rPr lang="en-US" dirty="0"/>
+              <a:t> </a:t>
+            </a:r>
+            <a:endParaRPr lang="hr-HR" dirty="0"/>
+          </a:p>
+          <a:p>
+            <a:r>
+              <a:rPr lang="en-US" dirty="0" smtClean="0"/>
+              <a:t>|L</a:t>
+            </a:r>
+            <a:r>
+              <a:rPr lang="en-US" dirty="0"/>
+              <a:t>| - </a:t>
+            </a:r>
+            <a:r>
+              <a:rPr lang="en-US" dirty="0" err="1"/>
+              <a:t>ukupan</a:t>
+            </a:r>
+            <a:r>
+              <a:rPr lang="en-US" dirty="0"/>
+              <a:t> </a:t>
+            </a:r>
+            <a:r>
+              <a:rPr lang="en-US" dirty="0" err="1"/>
+              <a:t>broj</a:t>
+            </a:r>
+            <a:r>
+              <a:rPr lang="en-US" dirty="0"/>
+              <a:t> </a:t>
+            </a:r>
+            <a:r>
+              <a:rPr lang="en-US" dirty="0" err="1"/>
+              <a:t>klasa</a:t>
+            </a:r>
+            <a:endParaRPr lang="en-US" dirty="0"/>
           </a:p>
         </p:txBody>
       </p:sp>
@@ -4284,10 +4972,17 @@
   <p:clrMapOvr>
     <a:masterClrMapping/>
   </p:clrMapOvr>
+  <p:timing>
+    <p:tnLst>
+      <p:par>
+        <p:cTn id="1" dur="indefinite" restart="never" nodeType="tmRoot"/>
+      </p:par>
+    </p:tnLst>
+  </p:timing>
 </p:sld>
 </file>
 
-<file path=ppt/slides/slide14.xml><?xml version="1.0" encoding="utf-8"?>
+<file path=ppt/slides/slide19.xml><?xml version="1.0" encoding="utf-8"?>
 <p:sld xmlns:a="http://schemas.openxmlformats.org/drawingml/2006/main" xmlns:r="http://schemas.openxmlformats.org/officeDocument/2006/relationships" xmlns:p="http://schemas.openxmlformats.org/presentationml/2006/main">
   <p:cSld>
     <p:spTree>
@@ -4363,74 +5058,13 @@
   <p:clrMapOvr>
     <a:masterClrMapping/>
   </p:clrMapOvr>
-</p:sld>
-</file>
-
-<file path=ppt/slides/slide15.xml><?xml version="1.0" encoding="utf-8"?>
-<p:sld xmlns:a="http://schemas.openxmlformats.org/drawingml/2006/main" xmlns:r="http://schemas.openxmlformats.org/officeDocument/2006/relationships" xmlns:p="http://schemas.openxmlformats.org/presentationml/2006/main">
-  <p:cSld>
-    <p:spTree>
-      <p:nvGrpSpPr>
-        <p:cNvPr id="1" name=""/>
-        <p:cNvGrpSpPr/>
-        <p:nvPr/>
-      </p:nvGrpSpPr>
-      <p:grpSpPr>
-        <a:xfrm>
-          <a:off x="0" y="0"/>
-          <a:ext cx="0" cy="0"/>
-          <a:chOff x="0" y="0"/>
-          <a:chExt cx="0" cy="0"/>
-        </a:xfrm>
-      </p:grpSpPr>
-      <p:sp>
-        <p:nvSpPr>
-          <p:cNvPr id="2" name="Title 1"/>
-          <p:cNvSpPr>
-            <a:spLocks noGrp="1"/>
-          </p:cNvSpPr>
-          <p:nvPr>
-            <p:ph type="title"/>
-          </p:nvPr>
-        </p:nvSpPr>
-        <p:spPr/>
-        <p:txBody>
-          <a:bodyPr/>
-          <a:lstStyle/>
-          <a:p>
-            <a:endParaRPr lang="en-US"/>
-          </a:p>
-        </p:txBody>
-      </p:sp>
-      <p:sp>
-        <p:nvSpPr>
-          <p:cNvPr id="3" name="Content Placeholder 2"/>
-          <p:cNvSpPr>
-            <a:spLocks noGrp="1"/>
-          </p:cNvSpPr>
-          <p:nvPr>
-            <p:ph idx="1"/>
-          </p:nvPr>
-        </p:nvSpPr>
-        <p:spPr/>
-        <p:txBody>
-          <a:bodyPr/>
-          <a:lstStyle/>
-          <a:p>
-            <a:endParaRPr lang="en-US"/>
-          </a:p>
-        </p:txBody>
-      </p:sp>
-    </p:spTree>
-    <p:extLst>
-      <p:ext uri="{BB962C8B-B14F-4D97-AF65-F5344CB8AC3E}">
-        <p14:creationId xmlns:p14="http://schemas.microsoft.com/office/powerpoint/2010/main" val="84799513"/>
-      </p:ext>
-    </p:extLst>
-  </p:cSld>
-  <p:clrMapOvr>
-    <a:masterClrMapping/>
-  </p:clrMapOvr>
+  <p:timing>
+    <p:tnLst>
+      <p:par>
+        <p:cTn id="1" dur="indefinite" restart="never" nodeType="tmRoot"/>
+      </p:par>
+    </p:tnLst>
+  </p:timing>
 </p:sld>
 </file>
 
@@ -4515,6 +5149,112 @@
   <p:clrMapOvr>
     <a:masterClrMapping/>
   </p:clrMapOvr>
+  <p:timing>
+    <p:tnLst>
+      <p:par>
+        <p:cTn id="1" dur="indefinite" restart="never" nodeType="tmRoot"/>
+      </p:par>
+    </p:tnLst>
+  </p:timing>
+</p:sld>
+</file>
+
+<file path=ppt/slides/slide20.xml><?xml version="1.0" encoding="utf-8"?>
+<p:sld xmlns:a="http://schemas.openxmlformats.org/drawingml/2006/main" xmlns:r="http://schemas.openxmlformats.org/officeDocument/2006/relationships" xmlns:p="http://schemas.openxmlformats.org/presentationml/2006/main">
+  <p:cSld>
+    <p:spTree>
+      <p:nvGrpSpPr>
+        <p:cNvPr id="1" name=""/>
+        <p:cNvGrpSpPr/>
+        <p:nvPr/>
+      </p:nvGrpSpPr>
+      <p:grpSpPr>
+        <a:xfrm>
+          <a:off x="0" y="0"/>
+          <a:ext cx="0" cy="0"/>
+          <a:chOff x="0" y="0"/>
+          <a:chExt cx="0" cy="0"/>
+        </a:xfrm>
+      </p:grpSpPr>
+      <p:sp>
+        <p:nvSpPr>
+          <p:cNvPr id="2" name="Title 1"/>
+          <p:cNvSpPr>
+            <a:spLocks noGrp="1"/>
+          </p:cNvSpPr>
+          <p:nvPr>
+            <p:ph type="title"/>
+          </p:nvPr>
+        </p:nvSpPr>
+        <p:spPr/>
+        <p:txBody>
+          <a:bodyPr/>
+          <a:lstStyle/>
+          <a:p>
+            <a:endParaRPr lang="en-US"/>
+          </a:p>
+        </p:txBody>
+      </p:sp>
+      <p:pic>
+        <p:nvPicPr>
+          <p:cNvPr id="2050" name="Picture 2" descr="https://i1.wp.com/osijek.makerfaire.com/wp-content/uploads/sites/122/2016/06/ferit-logo-znak-223x300.png?ssl=1"/>
+          <p:cNvPicPr>
+            <a:picLocks noGrp="1" noChangeAspect="1" noChangeArrowheads="1"/>
+          </p:cNvPicPr>
+          <p:nvPr>
+            <p:ph idx="1"/>
+          </p:nvPr>
+        </p:nvPicPr>
+        <p:blipFill>
+          <a:blip r:embed="rId2">
+            <a:extLst>
+              <a:ext uri="{28A0092B-C50C-407E-A947-70E740481C1C}">
+                <a14:useLocalDpi xmlns:a14="http://schemas.microsoft.com/office/drawing/2010/main" val="0"/>
+              </a:ext>
+            </a:extLst>
+          </a:blip>
+          <a:srcRect/>
+          <a:stretch>
+            <a:fillRect/>
+          </a:stretch>
+        </p:blipFill>
+        <p:spPr bwMode="auto">
+          <a:xfrm>
+            <a:off x="4642946" y="1855522"/>
+            <a:ext cx="2967067" cy="3991570"/>
+          </a:xfrm>
+          <a:prstGeom prst="rect">
+            <a:avLst/>
+          </a:prstGeom>
+          <a:noFill/>
+          <a:extLst>
+            <a:ext uri="{909E8E84-426E-40DD-AFC4-6F175D3DCCD1}">
+              <a14:hiddenFill xmlns:a14="http://schemas.microsoft.com/office/drawing/2010/main">
+                <a:solidFill>
+                  <a:srgbClr val="FFFFFF"/>
+                </a:solidFill>
+              </a14:hiddenFill>
+            </a:ext>
+          </a:extLst>
+        </p:spPr>
+      </p:pic>
+    </p:spTree>
+    <p:extLst>
+      <p:ext uri="{BB962C8B-B14F-4D97-AF65-F5344CB8AC3E}">
+        <p14:creationId xmlns:p14="http://schemas.microsoft.com/office/powerpoint/2010/main" val="84799513"/>
+      </p:ext>
+    </p:extLst>
+  </p:cSld>
+  <p:clrMapOvr>
+    <a:masterClrMapping/>
+  </p:clrMapOvr>
+  <p:timing>
+    <p:tnLst>
+      <p:par>
+        <p:cTn id="1" dur="indefinite" restart="never" nodeType="tmRoot"/>
+      </p:par>
+    </p:tnLst>
+  </p:timing>
 </p:sld>
 </file>
 
@@ -4605,6 +5345,13 @@
   <p:clrMapOvr>
     <a:masterClrMapping/>
   </p:clrMapOvr>
+  <p:timing>
+    <p:tnLst>
+      <p:par>
+        <p:cTn id="1" dur="indefinite" restart="never" nodeType="tmRoot"/>
+      </p:par>
+    </p:tnLst>
+  </p:timing>
 </p:sld>
 </file>
 
@@ -4640,6 +5387,190 @@
           <a:bodyPr/>
           <a:lstStyle/>
           <a:p>
+            <a:endParaRPr lang="en-US"/>
+          </a:p>
+        </p:txBody>
+      </p:sp>
+      <p:sp>
+        <p:nvSpPr>
+          <p:cNvPr id="3" name="Content Placeholder 2"/>
+          <p:cNvSpPr>
+            <a:spLocks noGrp="1"/>
+          </p:cNvSpPr>
+          <p:nvPr>
+            <p:ph idx="1"/>
+          </p:nvPr>
+        </p:nvSpPr>
+        <p:spPr/>
+        <p:txBody>
+          <a:bodyPr/>
+          <a:lstStyle/>
+          <a:p>
+            <a:endParaRPr lang="en-US"/>
+          </a:p>
+        </p:txBody>
+      </p:sp>
+      <p:pic>
+        <p:nvPicPr>
+          <p:cNvPr id="4" name="Picture 3"/>
+          <p:cNvPicPr>
+            <a:picLocks noChangeAspect="1"/>
+          </p:cNvPicPr>
+          <p:nvPr/>
+        </p:nvPicPr>
+        <p:blipFill>
+          <a:blip r:embed="rId2"/>
+          <a:stretch>
+            <a:fillRect/>
+          </a:stretch>
+        </p:blipFill>
+        <p:spPr>
+          <a:xfrm>
+            <a:off x="1299711" y="2173857"/>
+            <a:ext cx="9653538" cy="2028465"/>
+          </a:xfrm>
+          <a:prstGeom prst="rect">
+            <a:avLst/>
+          </a:prstGeom>
+        </p:spPr>
+      </p:pic>
+    </p:spTree>
+    <p:extLst>
+      <p:ext uri="{BB962C8B-B14F-4D97-AF65-F5344CB8AC3E}">
+        <p14:creationId xmlns:p14="http://schemas.microsoft.com/office/powerpoint/2010/main" val="2358680748"/>
+      </p:ext>
+    </p:extLst>
+  </p:cSld>
+  <p:clrMapOvr>
+    <a:masterClrMapping/>
+  </p:clrMapOvr>
+</p:sld>
+</file>
+
+<file path=ppt/slides/slide5.xml><?xml version="1.0" encoding="utf-8"?>
+<p:sld xmlns:a="http://schemas.openxmlformats.org/drawingml/2006/main" xmlns:r="http://schemas.openxmlformats.org/officeDocument/2006/relationships" xmlns:p="http://schemas.openxmlformats.org/presentationml/2006/main">
+  <p:cSld>
+    <p:spTree>
+      <p:nvGrpSpPr>
+        <p:cNvPr id="1" name=""/>
+        <p:cNvGrpSpPr/>
+        <p:nvPr/>
+      </p:nvGrpSpPr>
+      <p:grpSpPr>
+        <a:xfrm>
+          <a:off x="0" y="0"/>
+          <a:ext cx="0" cy="0"/>
+          <a:chOff x="0" y="0"/>
+          <a:chExt cx="0" cy="0"/>
+        </a:xfrm>
+      </p:grpSpPr>
+      <p:sp>
+        <p:nvSpPr>
+          <p:cNvPr id="2" name="Title 1"/>
+          <p:cNvSpPr>
+            <a:spLocks noGrp="1"/>
+          </p:cNvSpPr>
+          <p:nvPr>
+            <p:ph type="title"/>
+          </p:nvPr>
+        </p:nvSpPr>
+        <p:spPr/>
+        <p:txBody>
+          <a:bodyPr/>
+          <a:lstStyle/>
+          <a:p>
+            <a:endParaRPr lang="en-US"/>
+          </a:p>
+        </p:txBody>
+      </p:sp>
+      <p:sp>
+        <p:nvSpPr>
+          <p:cNvPr id="3" name="Content Placeholder 2"/>
+          <p:cNvSpPr>
+            <a:spLocks noGrp="1"/>
+          </p:cNvSpPr>
+          <p:nvPr>
+            <p:ph idx="1"/>
+          </p:nvPr>
+        </p:nvSpPr>
+        <p:spPr/>
+        <p:txBody>
+          <a:bodyPr/>
+          <a:lstStyle/>
+          <a:p>
+            <a:endParaRPr lang="en-US"/>
+          </a:p>
+        </p:txBody>
+      </p:sp>
+      <p:pic>
+        <p:nvPicPr>
+          <p:cNvPr id="4" name="Picture 3"/>
+          <p:cNvPicPr>
+            <a:picLocks noChangeAspect="1"/>
+          </p:cNvPicPr>
+          <p:nvPr/>
+        </p:nvPicPr>
+        <p:blipFill>
+          <a:blip r:embed="rId2"/>
+          <a:stretch>
+            <a:fillRect/>
+          </a:stretch>
+        </p:blipFill>
+        <p:spPr>
+          <a:xfrm>
+            <a:off x="586949" y="2294289"/>
+            <a:ext cx="11079062" cy="1765774"/>
+          </a:xfrm>
+          <a:prstGeom prst="rect">
+            <a:avLst/>
+          </a:prstGeom>
+        </p:spPr>
+      </p:pic>
+    </p:spTree>
+    <p:extLst>
+      <p:ext uri="{BB962C8B-B14F-4D97-AF65-F5344CB8AC3E}">
+        <p14:creationId xmlns:p14="http://schemas.microsoft.com/office/powerpoint/2010/main" val="4239815767"/>
+      </p:ext>
+    </p:extLst>
+  </p:cSld>
+  <p:clrMapOvr>
+    <a:masterClrMapping/>
+  </p:clrMapOvr>
+</p:sld>
+</file>
+
+<file path=ppt/slides/slide6.xml><?xml version="1.0" encoding="utf-8"?>
+<p:sld xmlns:a="http://schemas.openxmlformats.org/drawingml/2006/main" xmlns:r="http://schemas.openxmlformats.org/officeDocument/2006/relationships" xmlns:p="http://schemas.openxmlformats.org/presentationml/2006/main">
+  <p:cSld>
+    <p:spTree>
+      <p:nvGrpSpPr>
+        <p:cNvPr id="1" name=""/>
+        <p:cNvGrpSpPr/>
+        <p:nvPr/>
+      </p:nvGrpSpPr>
+      <p:grpSpPr>
+        <a:xfrm>
+          <a:off x="0" y="0"/>
+          <a:ext cx="0" cy="0"/>
+          <a:chOff x="0" y="0"/>
+          <a:chExt cx="0" cy="0"/>
+        </a:xfrm>
+      </p:grpSpPr>
+      <p:sp>
+        <p:nvSpPr>
+          <p:cNvPr id="2" name="Title 1"/>
+          <p:cNvSpPr>
+            <a:spLocks noGrp="1"/>
+          </p:cNvSpPr>
+          <p:nvPr>
+            <p:ph type="title"/>
+          </p:nvPr>
+        </p:nvSpPr>
+        <p:spPr/>
+        <p:txBody>
+          <a:bodyPr/>
+          <a:lstStyle/>
+          <a:p>
             <a:r>
               <a:rPr lang="hr-HR" dirty="0" smtClean="0"/>
               <a:t>fastText</a:t>
@@ -4665,33 +5596,34 @@
           <a:p>
             <a:r>
               <a:rPr lang="hr-HR" dirty="0" smtClean="0"/>
+              <a:t>Word embeddings</a:t>
+            </a:r>
+          </a:p>
+          <a:p>
+            <a:r>
+              <a:rPr lang="hr-HR" dirty="0" smtClean="0"/>
+              <a:t>nGrams</a:t>
+            </a:r>
+            <a:endParaRPr lang="hr-HR" dirty="0" smtClean="0"/>
+          </a:p>
+          <a:p>
+            <a:r>
+              <a:rPr lang="hr-HR" dirty="0" smtClean="0"/>
+              <a:t>Multinomijalna logistička </a:t>
+            </a:r>
+            <a:r>
+              <a:rPr lang="hr-HR" dirty="0" smtClean="0"/>
+              <a:t>regresija</a:t>
+            </a:r>
+          </a:p>
+          <a:p>
+            <a:r>
+              <a:rPr lang="hr-HR" dirty="0"/>
               <a:t>Hijerarhijski klasifikator</a:t>
             </a:r>
-            <a:endParaRPr lang="hr-HR" dirty="0"/>
-          </a:p>
-          <a:p>
-            <a:r>
-              <a:rPr lang="hr-HR" dirty="0" smtClean="0"/>
-              <a:t>Bag-of-Words</a:t>
-            </a:r>
-          </a:p>
-          <a:p>
-            <a:r>
-              <a:rPr lang="hr-HR" dirty="0" smtClean="0"/>
-              <a:t>Ngrams</a:t>
-            </a:r>
-          </a:p>
-          <a:p>
-            <a:r>
-              <a:rPr lang="hr-HR" dirty="0" smtClean="0"/>
-              <a:t>Word embeddings</a:t>
-            </a:r>
-          </a:p>
-          <a:p>
-            <a:r>
-              <a:rPr lang="hr-HR" dirty="0" smtClean="0"/>
-              <a:t>Multinomijalna logistička regresija</a:t>
-            </a:r>
+          </a:p>
+          <a:p>
+            <a:endParaRPr lang="hr-HR" dirty="0" smtClean="0"/>
           </a:p>
           <a:p>
             <a:endParaRPr lang="en-US" dirty="0"/>
@@ -4708,10 +5640,17 @@
   <p:clrMapOvr>
     <a:masterClrMapping/>
   </p:clrMapOvr>
+  <p:timing>
+    <p:tnLst>
+      <p:par>
+        <p:cTn id="1" dur="indefinite" restart="never" nodeType="tmRoot"/>
+      </p:par>
+    </p:tnLst>
+  </p:timing>
 </p:sld>
 </file>
 
-<file path=ppt/slides/slide5.xml><?xml version="1.0" encoding="utf-8"?>
+<file path=ppt/slides/slide7.xml><?xml version="1.0" encoding="utf-8"?>
 <p:sld xmlns:a="http://schemas.openxmlformats.org/drawingml/2006/main" xmlns:r="http://schemas.openxmlformats.org/officeDocument/2006/relationships" xmlns:p="http://schemas.openxmlformats.org/presentationml/2006/main">
   <p:cSld>
     <p:spTree>
@@ -4787,10 +5726,17 @@
   <p:clrMapOvr>
     <a:masterClrMapping/>
   </p:clrMapOvr>
+  <p:timing>
+    <p:tnLst>
+      <p:par>
+        <p:cTn id="1" dur="indefinite" restart="never" nodeType="tmRoot"/>
+      </p:par>
+    </p:tnLst>
+  </p:timing>
 </p:sld>
 </file>
 
-<file path=ppt/slides/slide6.xml><?xml version="1.0" encoding="utf-8"?>
+<file path=ppt/slides/slide8.xml><?xml version="1.0" encoding="utf-8"?>
 <p:sld xmlns:a="http://schemas.openxmlformats.org/drawingml/2006/main" xmlns:r="http://schemas.openxmlformats.org/officeDocument/2006/relationships" xmlns:p="http://schemas.openxmlformats.org/presentationml/2006/main">
   <p:cSld>
     <p:spTree>
@@ -4862,10 +5808,17 @@
   <p:clrMapOvr>
     <a:masterClrMapping/>
   </p:clrMapOvr>
+  <p:timing>
+    <p:tnLst>
+      <p:par>
+        <p:cTn id="1" dur="indefinite" restart="never" nodeType="tmRoot"/>
+      </p:par>
+    </p:tnLst>
+  </p:timing>
 </p:sld>
 </file>
 
-<file path=ppt/slides/slide7.xml><?xml version="1.0" encoding="utf-8"?>
+<file path=ppt/slides/slide9.xml><?xml version="1.0" encoding="utf-8"?>
 <p:sld xmlns:a="http://schemas.openxmlformats.org/drawingml/2006/main" xmlns:r="http://schemas.openxmlformats.org/officeDocument/2006/relationships" xmlns:p="http://schemas.openxmlformats.org/presentationml/2006/main">
   <p:cSld>
     <p:spTree>
@@ -4937,177 +5890,13 @@
   <p:clrMapOvr>
     <a:masterClrMapping/>
   </p:clrMapOvr>
-</p:sld>
-</file>
-
-<file path=ppt/slides/slide8.xml><?xml version="1.0" encoding="utf-8"?>
-<p:sld xmlns:a="http://schemas.openxmlformats.org/drawingml/2006/main" xmlns:r="http://schemas.openxmlformats.org/officeDocument/2006/relationships" xmlns:p="http://schemas.openxmlformats.org/presentationml/2006/main">
-  <p:cSld>
-    <p:spTree>
-      <p:nvGrpSpPr>
-        <p:cNvPr id="1" name=""/>
-        <p:cNvGrpSpPr/>
-        <p:nvPr/>
-      </p:nvGrpSpPr>
-      <p:grpSpPr>
-        <a:xfrm>
-          <a:off x="0" y="0"/>
-          <a:ext cx="0" cy="0"/>
-          <a:chOff x="0" y="0"/>
-          <a:chExt cx="0" cy="0"/>
-        </a:xfrm>
-      </p:grpSpPr>
-      <p:sp>
-        <p:nvSpPr>
-          <p:cNvPr id="2" name="Title 1"/>
-          <p:cNvSpPr>
-            <a:spLocks noGrp="1"/>
-          </p:cNvSpPr>
-          <p:nvPr>
-            <p:ph type="title"/>
-          </p:nvPr>
-        </p:nvSpPr>
-        <p:spPr/>
-        <p:txBody>
-          <a:bodyPr/>
-          <a:lstStyle/>
-          <a:p>
-            <a:r>
-              <a:rPr lang="hr-HR" dirty="0" smtClean="0"/>
-              <a:t>word2vec</a:t>
-            </a:r>
-            <a:endParaRPr lang="en-US" dirty="0"/>
-          </a:p>
-        </p:txBody>
-      </p:sp>
-      <p:pic>
-        <p:nvPicPr>
-          <p:cNvPr id="4" name="Content Placeholder 3"/>
-          <p:cNvPicPr>
-            <a:picLocks noGrp="1" noChangeAspect="1"/>
-          </p:cNvPicPr>
-          <p:nvPr>
-            <p:ph idx="1"/>
-          </p:nvPr>
-        </p:nvPicPr>
-        <p:blipFill>
-          <a:blip r:embed="rId2"/>
-          <a:stretch>
-            <a:fillRect/>
-          </a:stretch>
-        </p:blipFill>
-        <p:spPr>
-          <a:xfrm>
-            <a:off x="2846344" y="1846263"/>
-            <a:ext cx="6559637" cy="4022725"/>
-          </a:xfrm>
-          <a:prstGeom prst="rect">
-            <a:avLst/>
-          </a:prstGeom>
-        </p:spPr>
-      </p:pic>
-    </p:spTree>
-    <p:extLst>
-      <p:ext uri="{BB962C8B-B14F-4D97-AF65-F5344CB8AC3E}">
-        <p14:creationId xmlns:p14="http://schemas.microsoft.com/office/powerpoint/2010/main" val="3449396957"/>
-      </p:ext>
-    </p:extLst>
-  </p:cSld>
-  <p:clrMapOvr>
-    <a:masterClrMapping/>
-  </p:clrMapOvr>
-</p:sld>
-</file>
-
-<file path=ppt/slides/slide9.xml><?xml version="1.0" encoding="utf-8"?>
-<p:sld xmlns:a="http://schemas.openxmlformats.org/drawingml/2006/main" xmlns:r="http://schemas.openxmlformats.org/officeDocument/2006/relationships" xmlns:p="http://schemas.openxmlformats.org/presentationml/2006/main">
-  <p:cSld>
-    <p:spTree>
-      <p:nvGrpSpPr>
-        <p:cNvPr id="1" name=""/>
-        <p:cNvGrpSpPr/>
-        <p:nvPr/>
-      </p:nvGrpSpPr>
-      <p:grpSpPr>
-        <a:xfrm>
-          <a:off x="0" y="0"/>
-          <a:ext cx="0" cy="0"/>
-          <a:chOff x="0" y="0"/>
-          <a:chExt cx="0" cy="0"/>
-        </a:xfrm>
-      </p:grpSpPr>
-      <p:sp>
-        <p:nvSpPr>
-          <p:cNvPr id="2" name="Title 1"/>
-          <p:cNvSpPr>
-            <a:spLocks noGrp="1"/>
-          </p:cNvSpPr>
-          <p:nvPr>
-            <p:ph type="title"/>
-          </p:nvPr>
-        </p:nvSpPr>
-        <p:spPr/>
-        <p:txBody>
-          <a:bodyPr/>
-          <a:lstStyle/>
-          <a:p>
-            <a:endParaRPr lang="en-US"/>
-          </a:p>
-        </p:txBody>
-      </p:sp>
-      <p:sp>
-        <p:nvSpPr>
-          <p:cNvPr id="3" name="Content Placeholder 2"/>
-          <p:cNvSpPr>
-            <a:spLocks noGrp="1"/>
-          </p:cNvSpPr>
-          <p:nvPr>
-            <p:ph idx="1"/>
-          </p:nvPr>
-        </p:nvSpPr>
-        <p:spPr/>
-        <p:txBody>
-          <a:bodyPr/>
-          <a:lstStyle/>
-          <a:p>
-            <a:endParaRPr lang="en-US"/>
-          </a:p>
-        </p:txBody>
-      </p:sp>
-      <p:pic>
-        <p:nvPicPr>
-          <p:cNvPr id="4" name="Picture 3"/>
-          <p:cNvPicPr>
-            <a:picLocks noChangeAspect="1"/>
-          </p:cNvPicPr>
-          <p:nvPr/>
-        </p:nvPicPr>
-        <p:blipFill>
-          <a:blip r:embed="rId2"/>
-          <a:stretch>
-            <a:fillRect/>
-          </a:stretch>
-        </p:blipFill>
-        <p:spPr>
-          <a:xfrm>
-            <a:off x="1038225" y="500062"/>
-            <a:ext cx="10115550" cy="5857875"/>
-          </a:xfrm>
-          <a:prstGeom prst="rect">
-            <a:avLst/>
-          </a:prstGeom>
-        </p:spPr>
-      </p:pic>
-    </p:spTree>
-    <p:extLst>
-      <p:ext uri="{BB962C8B-B14F-4D97-AF65-F5344CB8AC3E}">
-        <p14:creationId xmlns:p14="http://schemas.microsoft.com/office/powerpoint/2010/main" val="587216916"/>
-      </p:ext>
-    </p:extLst>
-  </p:cSld>
-  <p:clrMapOvr>
-    <a:masterClrMapping/>
-  </p:clrMapOvr>
+  <p:timing>
+    <p:tnLst>
+      <p:par>
+        <p:cTn id="1" dur="indefinite" restart="never" nodeType="tmRoot"/>
+      </p:par>
+    </p:tnLst>
+  </p:timing>
 </p:sld>
 </file>
 
